--- a/Interactive Python with PyQt.pptx
+++ b/Interactive Python with PyQt.pptx
@@ -5,7 +5,7 @@
     <p:sldMasterId id="2147483659" r:id="rId1"/>
   </p:sldMasterIdLst>
   <p:notesMasterIdLst>
-    <p:notesMasterId r:id="rId29"/>
+    <p:notesMasterId r:id="rId28"/>
   </p:notesMasterIdLst>
   <p:sldIdLst>
     <p:sldId id="256" r:id="rId2"/>
@@ -20,38 +20,37 @@
     <p:sldId id="265" r:id="rId11"/>
     <p:sldId id="266" r:id="rId12"/>
     <p:sldId id="269" r:id="rId13"/>
-    <p:sldId id="270" r:id="rId14"/>
-    <p:sldId id="271" r:id="rId15"/>
-    <p:sldId id="272" r:id="rId16"/>
-    <p:sldId id="273" r:id="rId17"/>
-    <p:sldId id="274" r:id="rId18"/>
-    <p:sldId id="275" r:id="rId19"/>
-    <p:sldId id="276" r:id="rId20"/>
-    <p:sldId id="277" r:id="rId21"/>
-    <p:sldId id="278" r:id="rId22"/>
-    <p:sldId id="279" r:id="rId23"/>
-    <p:sldId id="280" r:id="rId24"/>
-    <p:sldId id="281" r:id="rId25"/>
-    <p:sldId id="282" r:id="rId26"/>
-    <p:sldId id="283" r:id="rId27"/>
-    <p:sldId id="284" r:id="rId28"/>
+    <p:sldId id="271" r:id="rId14"/>
+    <p:sldId id="272" r:id="rId15"/>
+    <p:sldId id="273" r:id="rId16"/>
+    <p:sldId id="274" r:id="rId17"/>
+    <p:sldId id="275" r:id="rId18"/>
+    <p:sldId id="276" r:id="rId19"/>
+    <p:sldId id="277" r:id="rId20"/>
+    <p:sldId id="278" r:id="rId21"/>
+    <p:sldId id="279" r:id="rId22"/>
+    <p:sldId id="280" r:id="rId23"/>
+    <p:sldId id="281" r:id="rId24"/>
+    <p:sldId id="282" r:id="rId25"/>
+    <p:sldId id="283" r:id="rId26"/>
+    <p:sldId id="284" r:id="rId27"/>
   </p:sldIdLst>
   <p:sldSz cx="9144000" cy="5143500" type="screen16x9"/>
   <p:notesSz cx="6797675" cy="9926638"/>
   <p:embeddedFontLst>
     <p:embeddedFont>
       <p:font typeface="Montserrat"/>
-      <p:regular r:id="rId30"/>
-      <p:bold r:id="rId31"/>
-      <p:italic r:id="rId32"/>
-      <p:boldItalic r:id="rId33"/>
+      <p:regular r:id="rId29"/>
+      <p:bold r:id="rId30"/>
+      <p:italic r:id="rId31"/>
+      <p:boldItalic r:id="rId32"/>
     </p:embeddedFont>
     <p:embeddedFont>
       <p:font typeface="Lato"/>
-      <p:regular r:id="rId34"/>
-      <p:bold r:id="rId35"/>
-      <p:italic r:id="rId36"/>
-      <p:boldItalic r:id="rId37"/>
+      <p:regular r:id="rId33"/>
+      <p:bold r:id="rId34"/>
+      <p:italic r:id="rId35"/>
+      <p:boldItalic r:id="rId36"/>
     </p:embeddedFont>
   </p:embeddedFontLst>
   <p:defaultTextStyle>
@@ -2008,156 +2007,6 @@
   <p:cSld>
     <p:spTree>
       <p:nvGrpSpPr>
-        <p:cNvPr id="1" name="Shape 232"/>
-        <p:cNvGrpSpPr/>
-        <p:nvPr/>
-      </p:nvGrpSpPr>
-      <p:grpSpPr>
-        <a:xfrm>
-          <a:off x="0" y="0"/>
-          <a:ext cx="0" cy="0"/>
-          <a:chOff x="0" y="0"/>
-          <a:chExt cx="0" cy="0"/>
-        </a:xfrm>
-      </p:grpSpPr>
-      <p:sp>
-        <p:nvSpPr>
-          <p:cNvPr id="233" name="Google Shape;233;g46f081628b_0_7:notes"/>
-          <p:cNvSpPr>
-            <a:spLocks noGrp="1" noRot="1" noChangeAspect="1"/>
-          </p:cNvSpPr>
-          <p:nvPr>
-            <p:ph type="sldImg" idx="2"/>
-          </p:nvPr>
-        </p:nvSpPr>
-        <p:spPr>
-          <a:xfrm>
-            <a:off x="-431800" y="744538"/>
-            <a:ext cx="5289550" cy="2976562"/>
-          </a:xfrm>
-          <a:custGeom>
-            <a:avLst/>
-            <a:gdLst/>
-            <a:ahLst/>
-            <a:cxnLst/>
-            <a:rect l="l" t="t" r="r" b="b"/>
-            <a:pathLst>
-              <a:path w="120000" h="120000" extrusionOk="0">
-                <a:moveTo>
-                  <a:pt x="0" y="0"/>
-                </a:moveTo>
-                <a:lnTo>
-                  <a:pt x="120000" y="0"/>
-                </a:lnTo>
-                <a:lnTo>
-                  <a:pt x="120000" y="120000"/>
-                </a:lnTo>
-                <a:lnTo>
-                  <a:pt x="0" y="120000"/>
-                </a:lnTo>
-                <a:close/>
-              </a:path>
-            </a:pathLst>
-          </a:custGeom>
-        </p:spPr>
-      </p:sp>
-      <p:sp>
-        <p:nvSpPr>
-          <p:cNvPr id="234" name="Google Shape;234;g46f081628b_0_7:notes"/>
-          <p:cNvSpPr txBox="1">
-            <a:spLocks noGrp="1"/>
-          </p:cNvSpPr>
-          <p:nvPr>
-            <p:ph type="body" idx="1"/>
-          </p:nvPr>
-        </p:nvSpPr>
-        <p:spPr>
-          <a:xfrm>
-            <a:off x="401638" y="4025900"/>
-            <a:ext cx="5994300" cy="5156100"/>
-          </a:xfrm>
-          <a:prstGeom prst="rect">
-            <a:avLst/>
-          </a:prstGeom>
-        </p:spPr>
-        <p:txBody>
-          <a:bodyPr spcFirstLastPara="1" wrap="square" lIns="91425" tIns="45700" rIns="91425" bIns="45700" anchor="t" anchorCtr="0">
-            <a:noAutofit/>
-          </a:bodyPr>
-          <a:lstStyle/>
-          <a:p>
-            <a:pPr marL="0" lvl="0" indent="0" algn="l" rtl="0">
-              <a:spcBef>
-                <a:spcPts val="420"/>
-              </a:spcBef>
-              <a:spcAft>
-                <a:spcPts val="0"/>
-              </a:spcAft>
-              <a:buNone/>
-            </a:pPr>
-            <a:endParaRPr/>
-          </a:p>
-        </p:txBody>
-      </p:sp>
-      <p:sp>
-        <p:nvSpPr>
-          <p:cNvPr id="235" name="Google Shape;235;g46f081628b_0_7:notes"/>
-          <p:cNvSpPr txBox="1">
-            <a:spLocks noGrp="1"/>
-          </p:cNvSpPr>
-          <p:nvPr>
-            <p:ph type="sldNum" idx="12"/>
-          </p:nvPr>
-        </p:nvSpPr>
-        <p:spPr>
-          <a:xfrm>
-            <a:off x="3849688" y="9428163"/>
-            <a:ext cx="2946300" cy="496800"/>
-          </a:xfrm>
-          <a:prstGeom prst="rect">
-            <a:avLst/>
-          </a:prstGeom>
-        </p:spPr>
-        <p:txBody>
-          <a:bodyPr spcFirstLastPara="1" wrap="square" lIns="91425" tIns="45700" rIns="91425" bIns="45700" anchor="b" anchorCtr="0">
-            <a:noAutofit/>
-          </a:bodyPr>
-          <a:lstStyle/>
-          <a:p>
-            <a:pPr marL="0" lvl="0" indent="0" algn="r" rtl="0">
-              <a:spcBef>
-                <a:spcPts val="0"/>
-              </a:spcBef>
-              <a:spcAft>
-                <a:spcPts val="0"/>
-              </a:spcAft>
-              <a:buClr>
-                <a:srgbClr val="000000"/>
-              </a:buClr>
-              <a:buFont typeface="Arial"/>
-              <a:buNone/>
-            </a:pPr>
-            <a:fld id="{00000000-1234-1234-1234-123412341234}" type="slidenum">
-              <a:rPr lang="en-AU"/>
-              <a:t>13</a:t>
-            </a:fld>
-            <a:endParaRPr/>
-          </a:p>
-        </p:txBody>
-      </p:sp>
-    </p:spTree>
-  </p:cSld>
-  <p:clrMapOvr>
-    <a:masterClrMapping/>
-  </p:clrMapOvr>
-</p:notes>
-</file>
-
-<file path=ppt/notesSlides/notesSlide14.xml><?xml version="1.0" encoding="utf-8"?>
-<p:notes xmlns:a="http://schemas.openxmlformats.org/drawingml/2006/main" xmlns:r="http://schemas.openxmlformats.org/officeDocument/2006/relationships" xmlns:p="http://schemas.openxmlformats.org/presentationml/2006/main" showMasterSp="0" showMasterPhAnim="0">
-  <p:cSld>
-    <p:spTree>
-      <p:nvGrpSpPr>
         <p:cNvPr id="1" name="Shape 239"/>
         <p:cNvGrpSpPr/>
         <p:nvPr/>
@@ -2289,7 +2138,7 @@
             </a:pPr>
             <a:fld id="{00000000-1234-1234-1234-123412341234}" type="slidenum">
               <a:rPr lang="en-AU"/>
-              <a:t>14</a:t>
+              <a:t>13</a:t>
             </a:fld>
             <a:endParaRPr/>
           </a:p>
@@ -2303,7 +2152,7 @@
 </p:notes>
 </file>
 
-<file path=ppt/notesSlides/notesSlide15.xml><?xml version="1.0" encoding="utf-8"?>
+<file path=ppt/notesSlides/notesSlide14.xml><?xml version="1.0" encoding="utf-8"?>
 <p:notes xmlns:a="http://schemas.openxmlformats.org/drawingml/2006/main" xmlns:r="http://schemas.openxmlformats.org/officeDocument/2006/relationships" xmlns:p="http://schemas.openxmlformats.org/presentationml/2006/main" showMasterSp="0" showMasterPhAnim="0">
   <p:cSld>
     <p:spTree>
@@ -2439,7 +2288,7 @@
             </a:pPr>
             <a:fld id="{00000000-1234-1234-1234-123412341234}" type="slidenum">
               <a:rPr lang="en-AU"/>
-              <a:t>15</a:t>
+              <a:t>14</a:t>
             </a:fld>
             <a:endParaRPr/>
           </a:p>
@@ -2453,7 +2302,7 @@
 </p:notes>
 </file>
 
-<file path=ppt/notesSlides/notesSlide16.xml><?xml version="1.0" encoding="utf-8"?>
+<file path=ppt/notesSlides/notesSlide15.xml><?xml version="1.0" encoding="utf-8"?>
 <p:notes xmlns:a="http://schemas.openxmlformats.org/drawingml/2006/main" xmlns:r="http://schemas.openxmlformats.org/officeDocument/2006/relationships" xmlns:p="http://schemas.openxmlformats.org/presentationml/2006/main" showMasterSp="0" showMasterPhAnim="0">
   <p:cSld>
     <p:spTree>
@@ -2589,7 +2438,7 @@
             </a:pPr>
             <a:fld id="{00000000-1234-1234-1234-123412341234}" type="slidenum">
               <a:rPr lang="en-AU"/>
-              <a:t>16</a:t>
+              <a:t>15</a:t>
             </a:fld>
             <a:endParaRPr/>
           </a:p>
@@ -2603,7 +2452,7 @@
 </p:notes>
 </file>
 
-<file path=ppt/notesSlides/notesSlide17.xml><?xml version="1.0" encoding="utf-8"?>
+<file path=ppt/notesSlides/notesSlide16.xml><?xml version="1.0" encoding="utf-8"?>
 <p:notes xmlns:a="http://schemas.openxmlformats.org/drawingml/2006/main" xmlns:r="http://schemas.openxmlformats.org/officeDocument/2006/relationships" xmlns:p="http://schemas.openxmlformats.org/presentationml/2006/main" showMasterSp="0" showMasterPhAnim="0">
   <p:cSld>
     <p:spTree>
@@ -2739,7 +2588,7 @@
             </a:pPr>
             <a:fld id="{00000000-1234-1234-1234-123412341234}" type="slidenum">
               <a:rPr lang="en-AU"/>
-              <a:t>17</a:t>
+              <a:t>16</a:t>
             </a:fld>
             <a:endParaRPr/>
           </a:p>
@@ -2753,7 +2602,7 @@
 </p:notes>
 </file>
 
-<file path=ppt/notesSlides/notesSlide18.xml><?xml version="1.0" encoding="utf-8"?>
+<file path=ppt/notesSlides/notesSlide17.xml><?xml version="1.0" encoding="utf-8"?>
 <p:notes xmlns:a="http://schemas.openxmlformats.org/drawingml/2006/main" xmlns:r="http://schemas.openxmlformats.org/officeDocument/2006/relationships" xmlns:p="http://schemas.openxmlformats.org/presentationml/2006/main" showMasterSp="0" showMasterPhAnim="0">
   <p:cSld>
     <p:spTree>
@@ -2889,7 +2738,7 @@
             </a:pPr>
             <a:fld id="{00000000-1234-1234-1234-123412341234}" type="slidenum">
               <a:rPr lang="en-AU"/>
-              <a:t>18</a:t>
+              <a:t>17</a:t>
             </a:fld>
             <a:endParaRPr/>
           </a:p>
@@ -2903,7 +2752,7 @@
 </p:notes>
 </file>
 
-<file path=ppt/notesSlides/notesSlide19.xml><?xml version="1.0" encoding="utf-8"?>
+<file path=ppt/notesSlides/notesSlide18.xml><?xml version="1.0" encoding="utf-8"?>
 <p:notes xmlns:a="http://schemas.openxmlformats.org/drawingml/2006/main" xmlns:r="http://schemas.openxmlformats.org/officeDocument/2006/relationships" xmlns:p="http://schemas.openxmlformats.org/presentationml/2006/main" showMasterSp="0" showMasterPhAnim="0">
   <p:cSld>
     <p:spTree>
@@ -3039,7 +2888,7 @@
             </a:pPr>
             <a:fld id="{00000000-1234-1234-1234-123412341234}" type="slidenum">
               <a:rPr lang="en-AU"/>
-              <a:t>19</a:t>
+              <a:t>18</a:t>
             </a:fld>
             <a:endParaRPr/>
           </a:p>
@@ -3053,111 +2902,7 @@
 </p:notes>
 </file>
 
-<file path=ppt/notesSlides/notesSlide2.xml><?xml version="1.0" encoding="utf-8"?>
-<p:notes xmlns:a="http://schemas.openxmlformats.org/drawingml/2006/main" xmlns:r="http://schemas.openxmlformats.org/officeDocument/2006/relationships" xmlns:p="http://schemas.openxmlformats.org/presentationml/2006/main" showMasterSp="0" showMasterPhAnim="0">
-  <p:cSld>
-    <p:spTree>
-      <p:nvGrpSpPr>
-        <p:cNvPr id="1" name="Shape 141"/>
-        <p:cNvGrpSpPr/>
-        <p:nvPr/>
-      </p:nvGrpSpPr>
-      <p:grpSpPr>
-        <a:xfrm>
-          <a:off x="0" y="0"/>
-          <a:ext cx="0" cy="0"/>
-          <a:chOff x="0" y="0"/>
-          <a:chExt cx="0" cy="0"/>
-        </a:xfrm>
-      </p:grpSpPr>
-      <p:sp>
-        <p:nvSpPr>
-          <p:cNvPr id="142" name="Google Shape;142;p3:notes"/>
-          <p:cNvSpPr txBox="1">
-            <a:spLocks noGrp="1"/>
-          </p:cNvSpPr>
-          <p:nvPr>
-            <p:ph type="body" idx="1"/>
-          </p:nvPr>
-        </p:nvSpPr>
-        <p:spPr>
-          <a:xfrm>
-            <a:off x="401638" y="4025900"/>
-            <a:ext cx="5994300" cy="5156100"/>
-          </a:xfrm>
-          <a:prstGeom prst="rect">
-            <a:avLst/>
-          </a:prstGeom>
-        </p:spPr>
-        <p:txBody>
-          <a:bodyPr spcFirstLastPara="1" wrap="square" lIns="91425" tIns="45700" rIns="91425" bIns="45700" anchor="t" anchorCtr="0">
-            <a:noAutofit/>
-          </a:bodyPr>
-          <a:lstStyle/>
-          <a:p>
-            <a:pPr marL="0" lvl="0" indent="0" algn="l" rtl="0">
-              <a:spcBef>
-                <a:spcPts val="420"/>
-              </a:spcBef>
-              <a:spcAft>
-                <a:spcPts val="0"/>
-              </a:spcAft>
-              <a:buNone/>
-            </a:pPr>
-            <a:endParaRPr/>
-          </a:p>
-        </p:txBody>
-      </p:sp>
-      <p:sp>
-        <p:nvSpPr>
-          <p:cNvPr id="143" name="Google Shape;143;p3:notes"/>
-          <p:cNvSpPr>
-            <a:spLocks noGrp="1" noRot="1" noChangeAspect="1"/>
-          </p:cNvSpPr>
-          <p:nvPr>
-            <p:ph type="sldImg" idx="2"/>
-          </p:nvPr>
-        </p:nvSpPr>
-        <p:spPr>
-          <a:xfrm>
-            <a:off x="-431800" y="744538"/>
-            <a:ext cx="5289550" cy="2976562"/>
-          </a:xfrm>
-          <a:custGeom>
-            <a:avLst/>
-            <a:gdLst/>
-            <a:ahLst/>
-            <a:cxnLst/>
-            <a:rect l="l" t="t" r="r" b="b"/>
-            <a:pathLst>
-              <a:path w="120000" h="120000" extrusionOk="0">
-                <a:moveTo>
-                  <a:pt x="0" y="0"/>
-                </a:moveTo>
-                <a:lnTo>
-                  <a:pt x="120000" y="0"/>
-                </a:lnTo>
-                <a:lnTo>
-                  <a:pt x="120000" y="120000"/>
-                </a:lnTo>
-                <a:lnTo>
-                  <a:pt x="0" y="120000"/>
-                </a:lnTo>
-                <a:close/>
-              </a:path>
-            </a:pathLst>
-          </a:custGeom>
-        </p:spPr>
-      </p:sp>
-    </p:spTree>
-  </p:cSld>
-  <p:clrMapOvr>
-    <a:masterClrMapping/>
-  </p:clrMapOvr>
-</p:notes>
-</file>
-
-<file path=ppt/notesSlides/notesSlide20.xml><?xml version="1.0" encoding="utf-8"?>
+<file path=ppt/notesSlides/notesSlide19.xml><?xml version="1.0" encoding="utf-8"?>
 <p:notes xmlns:a="http://schemas.openxmlformats.org/drawingml/2006/main" xmlns:r="http://schemas.openxmlformats.org/officeDocument/2006/relationships" xmlns:p="http://schemas.openxmlformats.org/presentationml/2006/main" showMasterSp="0" showMasterPhAnim="0">
   <p:cSld>
     <p:spTree>
@@ -3293,7 +3038,7 @@
             </a:pPr>
             <a:fld id="{00000000-1234-1234-1234-123412341234}" type="slidenum">
               <a:rPr lang="en-AU"/>
-              <a:t>20</a:t>
+              <a:t>19</a:t>
             </a:fld>
             <a:endParaRPr/>
           </a:p>
@@ -3307,7 +3052,111 @@
 </p:notes>
 </file>
 
-<file path=ppt/notesSlides/notesSlide21.xml><?xml version="1.0" encoding="utf-8"?>
+<file path=ppt/notesSlides/notesSlide2.xml><?xml version="1.0" encoding="utf-8"?>
+<p:notes xmlns:a="http://schemas.openxmlformats.org/drawingml/2006/main" xmlns:r="http://schemas.openxmlformats.org/officeDocument/2006/relationships" xmlns:p="http://schemas.openxmlformats.org/presentationml/2006/main" showMasterSp="0" showMasterPhAnim="0">
+  <p:cSld>
+    <p:spTree>
+      <p:nvGrpSpPr>
+        <p:cNvPr id="1" name="Shape 141"/>
+        <p:cNvGrpSpPr/>
+        <p:nvPr/>
+      </p:nvGrpSpPr>
+      <p:grpSpPr>
+        <a:xfrm>
+          <a:off x="0" y="0"/>
+          <a:ext cx="0" cy="0"/>
+          <a:chOff x="0" y="0"/>
+          <a:chExt cx="0" cy="0"/>
+        </a:xfrm>
+      </p:grpSpPr>
+      <p:sp>
+        <p:nvSpPr>
+          <p:cNvPr id="142" name="Google Shape;142;p3:notes"/>
+          <p:cNvSpPr txBox="1">
+            <a:spLocks noGrp="1"/>
+          </p:cNvSpPr>
+          <p:nvPr>
+            <p:ph type="body" idx="1"/>
+          </p:nvPr>
+        </p:nvSpPr>
+        <p:spPr>
+          <a:xfrm>
+            <a:off x="401638" y="4025900"/>
+            <a:ext cx="5994300" cy="5156100"/>
+          </a:xfrm>
+          <a:prstGeom prst="rect">
+            <a:avLst/>
+          </a:prstGeom>
+        </p:spPr>
+        <p:txBody>
+          <a:bodyPr spcFirstLastPara="1" wrap="square" lIns="91425" tIns="45700" rIns="91425" bIns="45700" anchor="t" anchorCtr="0">
+            <a:noAutofit/>
+          </a:bodyPr>
+          <a:lstStyle/>
+          <a:p>
+            <a:pPr marL="0" lvl="0" indent="0" algn="l" rtl="0">
+              <a:spcBef>
+                <a:spcPts val="420"/>
+              </a:spcBef>
+              <a:spcAft>
+                <a:spcPts val="0"/>
+              </a:spcAft>
+              <a:buNone/>
+            </a:pPr>
+            <a:endParaRPr/>
+          </a:p>
+        </p:txBody>
+      </p:sp>
+      <p:sp>
+        <p:nvSpPr>
+          <p:cNvPr id="143" name="Google Shape;143;p3:notes"/>
+          <p:cNvSpPr>
+            <a:spLocks noGrp="1" noRot="1" noChangeAspect="1"/>
+          </p:cNvSpPr>
+          <p:nvPr>
+            <p:ph type="sldImg" idx="2"/>
+          </p:nvPr>
+        </p:nvSpPr>
+        <p:spPr>
+          <a:xfrm>
+            <a:off x="-431800" y="744538"/>
+            <a:ext cx="5289550" cy="2976562"/>
+          </a:xfrm>
+          <a:custGeom>
+            <a:avLst/>
+            <a:gdLst/>
+            <a:ahLst/>
+            <a:cxnLst/>
+            <a:rect l="l" t="t" r="r" b="b"/>
+            <a:pathLst>
+              <a:path w="120000" h="120000" extrusionOk="0">
+                <a:moveTo>
+                  <a:pt x="0" y="0"/>
+                </a:moveTo>
+                <a:lnTo>
+                  <a:pt x="120000" y="0"/>
+                </a:lnTo>
+                <a:lnTo>
+                  <a:pt x="120000" y="120000"/>
+                </a:lnTo>
+                <a:lnTo>
+                  <a:pt x="0" y="120000"/>
+                </a:lnTo>
+                <a:close/>
+              </a:path>
+            </a:pathLst>
+          </a:custGeom>
+        </p:spPr>
+      </p:sp>
+    </p:spTree>
+  </p:cSld>
+  <p:clrMapOvr>
+    <a:masterClrMapping/>
+  </p:clrMapOvr>
+</p:notes>
+</file>
+
+<file path=ppt/notesSlides/notesSlide20.xml><?xml version="1.0" encoding="utf-8"?>
 <p:notes xmlns:a="http://schemas.openxmlformats.org/drawingml/2006/main" xmlns:r="http://schemas.openxmlformats.org/officeDocument/2006/relationships" xmlns:p="http://schemas.openxmlformats.org/presentationml/2006/main" showMasterSp="0" showMasterPhAnim="0">
   <p:cSld>
     <p:spTree>
@@ -3443,7 +3292,7 @@
             </a:pPr>
             <a:fld id="{00000000-1234-1234-1234-123412341234}" type="slidenum">
               <a:rPr lang="en-AU"/>
-              <a:t>21</a:t>
+              <a:t>20</a:t>
             </a:fld>
             <a:endParaRPr/>
           </a:p>
@@ -3457,7 +3306,7 @@
 </p:notes>
 </file>
 
-<file path=ppt/notesSlides/notesSlide22.xml><?xml version="1.0" encoding="utf-8"?>
+<file path=ppt/notesSlides/notesSlide21.xml><?xml version="1.0" encoding="utf-8"?>
 <p:notes xmlns:a="http://schemas.openxmlformats.org/drawingml/2006/main" xmlns:r="http://schemas.openxmlformats.org/officeDocument/2006/relationships" xmlns:p="http://schemas.openxmlformats.org/presentationml/2006/main" showMasterSp="0" showMasterPhAnim="0">
   <p:cSld>
     <p:spTree>
@@ -3593,7 +3442,7 @@
             </a:pPr>
             <a:fld id="{00000000-1234-1234-1234-123412341234}" type="slidenum">
               <a:rPr lang="en-AU"/>
-              <a:t>22</a:t>
+              <a:t>21</a:t>
             </a:fld>
             <a:endParaRPr/>
           </a:p>
@@ -3607,7 +3456,7 @@
 </p:notes>
 </file>
 
-<file path=ppt/notesSlides/notesSlide23.xml><?xml version="1.0" encoding="utf-8"?>
+<file path=ppt/notesSlides/notesSlide22.xml><?xml version="1.0" encoding="utf-8"?>
 <p:notes xmlns:a="http://schemas.openxmlformats.org/drawingml/2006/main" xmlns:r="http://schemas.openxmlformats.org/officeDocument/2006/relationships" xmlns:p="http://schemas.openxmlformats.org/presentationml/2006/main" showMasterSp="0" showMasterPhAnim="0">
   <p:cSld>
     <p:spTree>
@@ -3743,7 +3592,7 @@
             </a:pPr>
             <a:fld id="{00000000-1234-1234-1234-123412341234}" type="slidenum">
               <a:rPr lang="en-AU"/>
-              <a:t>23</a:t>
+              <a:t>22</a:t>
             </a:fld>
             <a:endParaRPr/>
           </a:p>
@@ -3757,7 +3606,7 @@
 </p:notes>
 </file>
 
-<file path=ppt/notesSlides/notesSlide24.xml><?xml version="1.0" encoding="utf-8"?>
+<file path=ppt/notesSlides/notesSlide23.xml><?xml version="1.0" encoding="utf-8"?>
 <p:notes xmlns:a="http://schemas.openxmlformats.org/drawingml/2006/main" xmlns:r="http://schemas.openxmlformats.org/officeDocument/2006/relationships" xmlns:p="http://schemas.openxmlformats.org/presentationml/2006/main" showMasterSp="0" showMasterPhAnim="0">
   <p:cSld>
     <p:spTree>
@@ -3893,7 +3742,7 @@
             </a:pPr>
             <a:fld id="{00000000-1234-1234-1234-123412341234}" type="slidenum">
               <a:rPr lang="en-AU"/>
-              <a:t>24</a:t>
+              <a:t>23</a:t>
             </a:fld>
             <a:endParaRPr/>
           </a:p>
@@ -3907,7 +3756,7 @@
 </p:notes>
 </file>
 
-<file path=ppt/notesSlides/notesSlide25.xml><?xml version="1.0" encoding="utf-8"?>
+<file path=ppt/notesSlides/notesSlide24.xml><?xml version="1.0" encoding="utf-8"?>
 <p:notes xmlns:a="http://schemas.openxmlformats.org/drawingml/2006/main" xmlns:r="http://schemas.openxmlformats.org/officeDocument/2006/relationships" xmlns:p="http://schemas.openxmlformats.org/presentationml/2006/main" showMasterSp="0" showMasterPhAnim="0">
   <p:cSld>
     <p:spTree>
@@ -4043,7 +3892,7 @@
             </a:pPr>
             <a:fld id="{00000000-1234-1234-1234-123412341234}" type="slidenum">
               <a:rPr lang="en-AU"/>
-              <a:t>25</a:t>
+              <a:t>24</a:t>
             </a:fld>
             <a:endParaRPr/>
           </a:p>
@@ -4057,7 +3906,7 @@
 </p:notes>
 </file>
 
-<file path=ppt/notesSlides/notesSlide26.xml><?xml version="1.0" encoding="utf-8"?>
+<file path=ppt/notesSlides/notesSlide25.xml><?xml version="1.0" encoding="utf-8"?>
 <p:notes xmlns:a="http://schemas.openxmlformats.org/drawingml/2006/main" xmlns:r="http://schemas.openxmlformats.org/officeDocument/2006/relationships" xmlns:p="http://schemas.openxmlformats.org/presentationml/2006/main" showMasterSp="0" showMasterPhAnim="0">
   <p:cSld>
     <p:spTree>
@@ -4193,7 +4042,7 @@
             </a:pPr>
             <a:fld id="{00000000-1234-1234-1234-123412341234}" type="slidenum">
               <a:rPr lang="en-AU"/>
-              <a:t>26</a:t>
+              <a:t>25</a:t>
             </a:fld>
             <a:endParaRPr/>
           </a:p>
@@ -4207,7 +4056,7 @@
 </p:notes>
 </file>
 
-<file path=ppt/notesSlides/notesSlide27.xml><?xml version="1.0" encoding="utf-8"?>
+<file path=ppt/notesSlides/notesSlide26.xml><?xml version="1.0" encoding="utf-8"?>
 <p:notes xmlns:a="http://schemas.openxmlformats.org/drawingml/2006/main" xmlns:r="http://schemas.openxmlformats.org/officeDocument/2006/relationships" xmlns:p="http://schemas.openxmlformats.org/presentationml/2006/main" showMasterSp="0" showMasterPhAnim="0">
   <p:cSld>
     <p:spTree>
@@ -14218,168 +14067,6 @@
   <p:cSld>
     <p:spTree>
       <p:nvGrpSpPr>
-        <p:cNvPr id="1" name="Shape 236"/>
-        <p:cNvGrpSpPr/>
-        <p:nvPr/>
-      </p:nvGrpSpPr>
-      <p:grpSpPr>
-        <a:xfrm>
-          <a:off x="0" y="0"/>
-          <a:ext cx="0" cy="0"/>
-          <a:chOff x="0" y="0"/>
-          <a:chExt cx="0" cy="0"/>
-        </a:xfrm>
-      </p:grpSpPr>
-      <p:sp>
-        <p:nvSpPr>
-          <p:cNvPr id="237" name="Google Shape;237;p27"/>
-          <p:cNvSpPr txBox="1">
-            <a:spLocks noGrp="1"/>
-          </p:cNvSpPr>
-          <p:nvPr>
-            <p:ph type="title"/>
-          </p:nvPr>
-        </p:nvSpPr>
-        <p:spPr>
-          <a:xfrm>
-            <a:off x="1297500" y="393750"/>
-            <a:ext cx="7038900" cy="914100"/>
-          </a:xfrm>
-          <a:prstGeom prst="rect">
-            <a:avLst/>
-          </a:prstGeom>
-        </p:spPr>
-        <p:txBody>
-          <a:bodyPr spcFirstLastPara="1" wrap="square" lIns="91425" tIns="91425" rIns="91425" bIns="91425" anchor="t" anchorCtr="0">
-            <a:noAutofit/>
-          </a:bodyPr>
-          <a:lstStyle/>
-          <a:p>
-            <a:pPr marL="0" lvl="0" indent="0" algn="l" rtl="0">
-              <a:spcBef>
-                <a:spcPts val="0"/>
-              </a:spcBef>
-              <a:spcAft>
-                <a:spcPts val="0"/>
-              </a:spcAft>
-              <a:buNone/>
-            </a:pPr>
-            <a:r>
-              <a:rPr lang="en-AU"/>
-              <a:t>GUI Design: Qt Resources</a:t>
-            </a:r>
-            <a:endParaRPr/>
-          </a:p>
-        </p:txBody>
-      </p:sp>
-      <p:sp>
-        <p:nvSpPr>
-          <p:cNvPr id="238" name="Google Shape;238;p27"/>
-          <p:cNvSpPr txBox="1">
-            <a:spLocks noGrp="1"/>
-          </p:cNvSpPr>
-          <p:nvPr>
-            <p:ph type="body" idx="1"/>
-          </p:nvPr>
-        </p:nvSpPr>
-        <p:spPr>
-          <a:xfrm>
-            <a:off x="1297500" y="1034150"/>
-            <a:ext cx="7038900" cy="2911200"/>
-          </a:xfrm>
-          <a:prstGeom prst="rect">
-            <a:avLst/>
-          </a:prstGeom>
-        </p:spPr>
-        <p:txBody>
-          <a:bodyPr spcFirstLastPara="1" wrap="square" lIns="91425" tIns="91425" rIns="91425" bIns="91425" anchor="t" anchorCtr="0">
-            <a:noAutofit/>
-          </a:bodyPr>
-          <a:lstStyle/>
-          <a:p>
-            <a:pPr marL="0" lvl="0" indent="0" algn="l" rtl="0">
-              <a:spcBef>
-                <a:spcPts val="0"/>
-              </a:spcBef>
-              <a:spcAft>
-                <a:spcPts val="0"/>
-              </a:spcAft>
-              <a:buNone/>
-            </a:pPr>
-            <a:r>
-              <a:rPr lang="en-AU" sz="1800" u="sng">
-                <a:solidFill>
-                  <a:schemeClr val="hlink"/>
-                </a:solidFill>
-                <a:hlinkClick r:id="rId3"/>
-              </a:rPr>
-              <a:t>http://pyqt.sourceforge.net/Docs/PyQt5/resources.html</a:t>
-            </a:r>
-            <a:endParaRPr sz="1800"/>
-          </a:p>
-          <a:p>
-            <a:pPr marL="0" lvl="0" indent="0" algn="l" rtl="0">
-              <a:spcBef>
-                <a:spcPts val="1600"/>
-              </a:spcBef>
-              <a:spcAft>
-                <a:spcPts val="0"/>
-              </a:spcAft>
-              <a:buNone/>
-            </a:pPr>
-            <a:r>
-              <a:rPr lang="en-AU" sz="1800"/>
-              <a:t>PyQt5 supports Qt’s resource system. This is a facility for embedding resources such as icons and translation files in an application. This makes the packaging and distribution of those resources much easier.</a:t>
-            </a:r>
-            <a:endParaRPr sz="1800"/>
-          </a:p>
-          <a:p>
-            <a:pPr marL="0" lvl="0" indent="0" algn="l" rtl="0">
-              <a:spcBef>
-                <a:spcPts val="1600"/>
-              </a:spcBef>
-              <a:spcAft>
-                <a:spcPts val="0"/>
-              </a:spcAft>
-              <a:buNone/>
-            </a:pPr>
-            <a:r>
-              <a:rPr lang="en-AU" sz="1800"/>
-              <a:t>A .qrc resource collection file is an XML file used to specify which resource files are to be embedded. </a:t>
-            </a:r>
-            <a:endParaRPr sz="1800"/>
-          </a:p>
-          <a:p>
-            <a:pPr marL="0" lvl="0" indent="0" algn="l" rtl="0">
-              <a:spcBef>
-                <a:spcPts val="1600"/>
-              </a:spcBef>
-              <a:spcAft>
-                <a:spcPts val="1600"/>
-              </a:spcAft>
-              <a:buNone/>
-            </a:pPr>
-            <a:r>
-              <a:rPr lang="en-AU" sz="1800"/>
-              <a:t>pyrcc5 reads the .qrc file, and the resource files, and generates a Python module that only needs to be imported by the application in order for those resources to be made available just as if they were the original files.</a:t>
-            </a:r>
-            <a:endParaRPr sz="1800"/>
-          </a:p>
-        </p:txBody>
-      </p:sp>
-    </p:spTree>
-  </p:cSld>
-  <p:clrMapOvr>
-    <a:masterClrMapping/>
-  </p:clrMapOvr>
-</p:sld>
-</file>
-
-<file path=ppt/slides/slide14.xml><?xml version="1.0" encoding="utf-8"?>
-<p:sld xmlns:a="http://schemas.openxmlformats.org/drawingml/2006/main" xmlns:r="http://schemas.openxmlformats.org/officeDocument/2006/relationships" xmlns:p="http://schemas.openxmlformats.org/presentationml/2006/main">
-  <p:cSld>
-    <p:spTree>
-      <p:nvGrpSpPr>
         <p:cNvPr id="1" name="Shape 243"/>
         <p:cNvGrpSpPr/>
         <p:nvPr/>
@@ -14648,7 +14335,7 @@
 </p:sld>
 </file>
 
-<file path=ppt/slides/slide15.xml><?xml version="1.0" encoding="utf-8"?>
+<file path=ppt/slides/slide14.xml><?xml version="1.0" encoding="utf-8"?>
 <p:sld xmlns:a="http://schemas.openxmlformats.org/drawingml/2006/main" xmlns:r="http://schemas.openxmlformats.org/officeDocument/2006/relationships" xmlns:p="http://schemas.openxmlformats.org/presentationml/2006/main">
   <p:cSld>
     <p:spTree>
@@ -15019,7 +14706,7 @@
 </p:sld>
 </file>
 
-<file path=ppt/slides/slide16.xml><?xml version="1.0" encoding="utf-8"?>
+<file path=ppt/slides/slide15.xml><?xml version="1.0" encoding="utf-8"?>
 <p:sld xmlns:a="http://schemas.openxmlformats.org/drawingml/2006/main" xmlns:r="http://schemas.openxmlformats.org/officeDocument/2006/relationships" xmlns:p="http://schemas.openxmlformats.org/presentationml/2006/main">
   <p:cSld>
     <p:spTree>
@@ -15247,7 +14934,7 @@
 </p:sld>
 </file>
 
-<file path=ppt/slides/slide17.xml><?xml version="1.0" encoding="utf-8"?>
+<file path=ppt/slides/slide16.xml><?xml version="1.0" encoding="utf-8"?>
 <p:sld xmlns:a="http://schemas.openxmlformats.org/drawingml/2006/main" xmlns:r="http://schemas.openxmlformats.org/officeDocument/2006/relationships" xmlns:p="http://schemas.openxmlformats.org/presentationml/2006/main">
   <p:cSld>
     <p:spTree>
@@ -15759,7 +15446,7 @@
 </p:sld>
 </file>
 
-<file path=ppt/slides/slide18.xml><?xml version="1.0" encoding="utf-8"?>
+<file path=ppt/slides/slide17.xml><?xml version="1.0" encoding="utf-8"?>
 <p:sld xmlns:a="http://schemas.openxmlformats.org/drawingml/2006/main" xmlns:r="http://schemas.openxmlformats.org/officeDocument/2006/relationships" xmlns:p="http://schemas.openxmlformats.org/presentationml/2006/main">
   <p:cSld>
     <p:spTree>
@@ -16289,7 +15976,7 @@
 </p:sld>
 </file>
 
-<file path=ppt/slides/slide19.xml><?xml version="1.0" encoding="utf-8"?>
+<file path=ppt/slides/slide18.xml><?xml version="1.0" encoding="utf-8"?>
 <p:sld xmlns:a="http://schemas.openxmlformats.org/drawingml/2006/main" xmlns:r="http://schemas.openxmlformats.org/officeDocument/2006/relationships" xmlns:p="http://schemas.openxmlformats.org/presentationml/2006/main">
   <p:cSld>
     <p:spTree>
@@ -16579,6 +16266,147 @@
               <a:cs typeface="Courier New"/>
               <a:sym typeface="Courier New"/>
             </a:endParaRPr>
+          </a:p>
+        </p:txBody>
+      </p:sp>
+    </p:spTree>
+  </p:cSld>
+  <p:clrMapOvr>
+    <a:masterClrMapping/>
+  </p:clrMapOvr>
+</p:sld>
+</file>
+
+<file path=ppt/slides/slide19.xml><?xml version="1.0" encoding="utf-8"?>
+<p:sld xmlns:a="http://schemas.openxmlformats.org/drawingml/2006/main" xmlns:r="http://schemas.openxmlformats.org/officeDocument/2006/relationships" xmlns:p="http://schemas.openxmlformats.org/presentationml/2006/main">
+  <p:cSld>
+    <p:spTree>
+      <p:nvGrpSpPr>
+        <p:cNvPr id="1" name="Shape 295"/>
+        <p:cNvGrpSpPr/>
+        <p:nvPr/>
+      </p:nvGrpSpPr>
+      <p:grpSpPr>
+        <a:xfrm>
+          <a:off x="0" y="0"/>
+          <a:ext cx="0" cy="0"/>
+          <a:chOff x="0" y="0"/>
+          <a:chExt cx="0" cy="0"/>
+        </a:xfrm>
+      </p:grpSpPr>
+      <p:sp>
+        <p:nvSpPr>
+          <p:cNvPr id="296" name="Google Shape;296;p34"/>
+          <p:cNvSpPr txBox="1">
+            <a:spLocks noGrp="1"/>
+          </p:cNvSpPr>
+          <p:nvPr>
+            <p:ph type="title"/>
+          </p:nvPr>
+        </p:nvSpPr>
+        <p:spPr>
+          <a:xfrm>
+            <a:off x="1297500" y="393750"/>
+            <a:ext cx="7038900" cy="914100"/>
+          </a:xfrm>
+          <a:prstGeom prst="rect">
+            <a:avLst/>
+          </a:prstGeom>
+        </p:spPr>
+        <p:txBody>
+          <a:bodyPr spcFirstLastPara="1" wrap="square" lIns="91425" tIns="91425" rIns="91425" bIns="91425" anchor="t" anchorCtr="0">
+            <a:noAutofit/>
+          </a:bodyPr>
+          <a:lstStyle/>
+          <a:p>
+            <a:pPr marL="0" lvl="0" indent="0" algn="l" rtl="0">
+              <a:spcBef>
+                <a:spcPts val="0"/>
+              </a:spcBef>
+              <a:spcAft>
+                <a:spcPts val="0"/>
+              </a:spcAft>
+              <a:buNone/>
+            </a:pPr>
+            <a:r>
+              <a:rPr lang="en-AU"/>
+              <a:t>Event Loops are Dead</a:t>
+            </a:r>
+            <a:endParaRPr/>
+          </a:p>
+        </p:txBody>
+      </p:sp>
+      <p:sp>
+        <p:nvSpPr>
+          <p:cNvPr id="297" name="Google Shape;297;p34"/>
+          <p:cNvSpPr txBox="1">
+            <a:spLocks noGrp="1"/>
+          </p:cNvSpPr>
+          <p:nvPr>
+            <p:ph type="body" idx="1"/>
+          </p:nvPr>
+        </p:nvSpPr>
+        <p:spPr>
+          <a:xfrm>
+            <a:off x="1297500" y="1567550"/>
+            <a:ext cx="7038900" cy="2911200"/>
+          </a:xfrm>
+          <a:prstGeom prst="rect">
+            <a:avLst/>
+          </a:prstGeom>
+        </p:spPr>
+        <p:txBody>
+          <a:bodyPr spcFirstLastPara="1" wrap="square" lIns="91425" tIns="91425" rIns="91425" bIns="91425" anchor="t" anchorCtr="0">
+            <a:noAutofit/>
+          </a:bodyPr>
+          <a:lstStyle/>
+          <a:p>
+            <a:pPr marL="0" lvl="0" indent="0" algn="l" rtl="0">
+              <a:spcBef>
+                <a:spcPts val="0"/>
+              </a:spcBef>
+              <a:spcAft>
+                <a:spcPts val="0"/>
+              </a:spcAft>
+              <a:buNone/>
+            </a:pPr>
+            <a:r>
+              <a:rPr lang="en-AU" sz="1800"/>
+              <a:t>Event Loops block until an event has arrived</a:t>
+            </a:r>
+            <a:endParaRPr sz="1800"/>
+          </a:p>
+          <a:p>
+            <a:pPr marL="0" lvl="0" indent="0" algn="l" rtl="0">
+              <a:spcBef>
+                <a:spcPts val="1600"/>
+              </a:spcBef>
+              <a:spcAft>
+                <a:spcPts val="0"/>
+              </a:spcAft>
+              <a:buNone/>
+            </a:pPr>
+            <a:r>
+              <a:rPr lang="en-AU" sz="1800"/>
+              <a:t>This is bad.</a:t>
+            </a:r>
+            <a:endParaRPr sz="1800"/>
+          </a:p>
+          <a:p>
+            <a:pPr marL="0" lvl="0" indent="0" algn="l" rtl="0">
+              <a:spcBef>
+                <a:spcPts val="1600"/>
+              </a:spcBef>
+              <a:spcAft>
+                <a:spcPts val="1600"/>
+              </a:spcAft>
+              <a:buNone/>
+            </a:pPr>
+            <a:r>
+              <a:rPr lang="en-AU" sz="1800"/>
+              <a:t>Asynchronous signal handlers are much better</a:t>
+            </a:r>
+            <a:endParaRPr sz="1800"/>
           </a:p>
         </p:txBody>
       </p:sp>
@@ -16837,147 +16665,6 @@
   <p:cSld>
     <p:spTree>
       <p:nvGrpSpPr>
-        <p:cNvPr id="1" name="Shape 295"/>
-        <p:cNvGrpSpPr/>
-        <p:nvPr/>
-      </p:nvGrpSpPr>
-      <p:grpSpPr>
-        <a:xfrm>
-          <a:off x="0" y="0"/>
-          <a:ext cx="0" cy="0"/>
-          <a:chOff x="0" y="0"/>
-          <a:chExt cx="0" cy="0"/>
-        </a:xfrm>
-      </p:grpSpPr>
-      <p:sp>
-        <p:nvSpPr>
-          <p:cNvPr id="296" name="Google Shape;296;p34"/>
-          <p:cNvSpPr txBox="1">
-            <a:spLocks noGrp="1"/>
-          </p:cNvSpPr>
-          <p:nvPr>
-            <p:ph type="title"/>
-          </p:nvPr>
-        </p:nvSpPr>
-        <p:spPr>
-          <a:xfrm>
-            <a:off x="1297500" y="393750"/>
-            <a:ext cx="7038900" cy="914100"/>
-          </a:xfrm>
-          <a:prstGeom prst="rect">
-            <a:avLst/>
-          </a:prstGeom>
-        </p:spPr>
-        <p:txBody>
-          <a:bodyPr spcFirstLastPara="1" wrap="square" lIns="91425" tIns="91425" rIns="91425" bIns="91425" anchor="t" anchorCtr="0">
-            <a:noAutofit/>
-          </a:bodyPr>
-          <a:lstStyle/>
-          <a:p>
-            <a:pPr marL="0" lvl="0" indent="0" algn="l" rtl="0">
-              <a:spcBef>
-                <a:spcPts val="0"/>
-              </a:spcBef>
-              <a:spcAft>
-                <a:spcPts val="0"/>
-              </a:spcAft>
-              <a:buNone/>
-            </a:pPr>
-            <a:r>
-              <a:rPr lang="en-AU"/>
-              <a:t>Event Loops are Dead</a:t>
-            </a:r>
-            <a:endParaRPr/>
-          </a:p>
-        </p:txBody>
-      </p:sp>
-      <p:sp>
-        <p:nvSpPr>
-          <p:cNvPr id="297" name="Google Shape;297;p34"/>
-          <p:cNvSpPr txBox="1">
-            <a:spLocks noGrp="1"/>
-          </p:cNvSpPr>
-          <p:nvPr>
-            <p:ph type="body" idx="1"/>
-          </p:nvPr>
-        </p:nvSpPr>
-        <p:spPr>
-          <a:xfrm>
-            <a:off x="1297500" y="1567550"/>
-            <a:ext cx="7038900" cy="2911200"/>
-          </a:xfrm>
-          <a:prstGeom prst="rect">
-            <a:avLst/>
-          </a:prstGeom>
-        </p:spPr>
-        <p:txBody>
-          <a:bodyPr spcFirstLastPara="1" wrap="square" lIns="91425" tIns="91425" rIns="91425" bIns="91425" anchor="t" anchorCtr="0">
-            <a:noAutofit/>
-          </a:bodyPr>
-          <a:lstStyle/>
-          <a:p>
-            <a:pPr marL="0" lvl="0" indent="0" algn="l" rtl="0">
-              <a:spcBef>
-                <a:spcPts val="0"/>
-              </a:spcBef>
-              <a:spcAft>
-                <a:spcPts val="0"/>
-              </a:spcAft>
-              <a:buNone/>
-            </a:pPr>
-            <a:r>
-              <a:rPr lang="en-AU" sz="1800"/>
-              <a:t>Event Loops block until an event has arrived</a:t>
-            </a:r>
-            <a:endParaRPr sz="1800"/>
-          </a:p>
-          <a:p>
-            <a:pPr marL="0" lvl="0" indent="0" algn="l" rtl="0">
-              <a:spcBef>
-                <a:spcPts val="1600"/>
-              </a:spcBef>
-              <a:spcAft>
-                <a:spcPts val="0"/>
-              </a:spcAft>
-              <a:buNone/>
-            </a:pPr>
-            <a:r>
-              <a:rPr lang="en-AU" sz="1800"/>
-              <a:t>This is bad.</a:t>
-            </a:r>
-            <a:endParaRPr sz="1800"/>
-          </a:p>
-          <a:p>
-            <a:pPr marL="0" lvl="0" indent="0" algn="l" rtl="0">
-              <a:spcBef>
-                <a:spcPts val="1600"/>
-              </a:spcBef>
-              <a:spcAft>
-                <a:spcPts val="1600"/>
-              </a:spcAft>
-              <a:buNone/>
-            </a:pPr>
-            <a:r>
-              <a:rPr lang="en-AU" sz="1800"/>
-              <a:t>Asynchronous signal handlers are much better</a:t>
-            </a:r>
-            <a:endParaRPr sz="1800"/>
-          </a:p>
-        </p:txBody>
-      </p:sp>
-    </p:spTree>
-  </p:cSld>
-  <p:clrMapOvr>
-    <a:masterClrMapping/>
-  </p:clrMapOvr>
-</p:sld>
-</file>
-
-<file path=ppt/slides/slide21.xml><?xml version="1.0" encoding="utf-8"?>
-<p:sld xmlns:a="http://schemas.openxmlformats.org/drawingml/2006/main" xmlns:r="http://schemas.openxmlformats.org/officeDocument/2006/relationships" xmlns:p="http://schemas.openxmlformats.org/presentationml/2006/main">
-  <p:cSld>
-    <p:spTree>
-      <p:nvGrpSpPr>
         <p:cNvPr id="1" name="Shape 302"/>
         <p:cNvGrpSpPr/>
         <p:nvPr/>
@@ -17119,7 +16806,7 @@
 </p:sld>
 </file>
 
-<file path=ppt/slides/slide22.xml><?xml version="1.0" encoding="utf-8"?>
+<file path=ppt/slides/slide21.xml><?xml version="1.0" encoding="utf-8"?>
 <p:sld xmlns:a="http://schemas.openxmlformats.org/drawingml/2006/main" xmlns:r="http://schemas.openxmlformats.org/officeDocument/2006/relationships" xmlns:p="http://schemas.openxmlformats.org/presentationml/2006/main">
   <p:cSld>
     <p:spTree>
@@ -17244,7 +16931,7 @@
 </p:sld>
 </file>
 
-<file path=ppt/slides/slide23.xml><?xml version="1.0" encoding="utf-8"?>
+<file path=ppt/slides/slide22.xml><?xml version="1.0" encoding="utf-8"?>
 <p:sld xmlns:a="http://schemas.openxmlformats.org/drawingml/2006/main" xmlns:r="http://schemas.openxmlformats.org/officeDocument/2006/relationships" xmlns:p="http://schemas.openxmlformats.org/presentationml/2006/main">
   <p:cSld>
     <p:spTree>
@@ -17648,7 +17335,7 @@
 </p:sld>
 </file>
 
-<file path=ppt/slides/slide24.xml><?xml version="1.0" encoding="utf-8"?>
+<file path=ppt/slides/slide23.xml><?xml version="1.0" encoding="utf-8"?>
 <p:sld xmlns:a="http://schemas.openxmlformats.org/drawingml/2006/main" xmlns:r="http://schemas.openxmlformats.org/officeDocument/2006/relationships" xmlns:p="http://schemas.openxmlformats.org/presentationml/2006/main">
   <p:cSld>
     <p:spTree>
@@ -17786,7 +17473,7 @@
 </p:sld>
 </file>
 
-<file path=ppt/slides/slide25.xml><?xml version="1.0" encoding="utf-8"?>
+<file path=ppt/slides/slide24.xml><?xml version="1.0" encoding="utf-8"?>
 <p:sld xmlns:a="http://schemas.openxmlformats.org/drawingml/2006/main" xmlns:r="http://schemas.openxmlformats.org/officeDocument/2006/relationships" xmlns:p="http://schemas.openxmlformats.org/presentationml/2006/main">
   <p:cSld>
     <p:spTree>
@@ -18083,7 +17770,7 @@
 </p:sld>
 </file>
 
-<file path=ppt/slides/slide26.xml><?xml version="1.0" encoding="utf-8"?>
+<file path=ppt/slides/slide25.xml><?xml version="1.0" encoding="utf-8"?>
 <p:sld xmlns:a="http://schemas.openxmlformats.org/drawingml/2006/main" xmlns:r="http://schemas.openxmlformats.org/officeDocument/2006/relationships" xmlns:p="http://schemas.openxmlformats.org/presentationml/2006/main">
   <p:cSld>
     <p:spTree>
@@ -18221,7 +17908,7 @@
 </p:sld>
 </file>
 
-<file path=ppt/slides/slide27.xml><?xml version="1.0" encoding="utf-8"?>
+<file path=ppt/slides/slide26.xml><?xml version="1.0" encoding="utf-8"?>
 <p:sld xmlns:a="http://schemas.openxmlformats.org/drawingml/2006/main" xmlns:r="http://schemas.openxmlformats.org/officeDocument/2006/relationships" xmlns:p="http://schemas.openxmlformats.org/presentationml/2006/main">
   <p:cSld>
     <p:spTree>
@@ -19050,10 +18737,14 @@
               <a:buNone/>
             </a:pPr>
             <a:r>
-              <a:rPr lang="en-AU" sz="1800"/>
-              <a:t>Qt in the wild: </a:t>
+              <a:rPr lang="en-AU" sz="1800" dirty="0" err="1"/>
+              <a:t>Qt</a:t>
             </a:r>
-            <a:endParaRPr sz="1800"/>
+            <a:r>
+              <a:rPr lang="en-AU" sz="1800" dirty="0"/>
+              <a:t> in the wild: </a:t>
+            </a:r>
+            <a:endParaRPr sz="1800" dirty="0"/>
           </a:p>
           <a:p>
             <a:pPr marL="457200" lvl="0" indent="-342900" algn="l" rtl="0">
@@ -19067,10 +18758,19 @@
               <a:buChar char="●"/>
             </a:pPr>
             <a:r>
-              <a:rPr lang="en-AU" sz="1800"/>
+              <a:rPr lang="en-AU" sz="1800" dirty="0"/>
               <a:t>Google Earth</a:t>
             </a:r>
-            <a:endParaRPr sz="1800"/>
+            <a:endParaRPr sz="1800" dirty="0"/>
+          </a:p>
+          <a:p>
+            <a:pPr indent="-342900">
+              <a:buSzPts val="1800"/>
+            </a:pPr>
+            <a:r>
+              <a:rPr lang="en-AU" sz="1800" dirty="0"/>
+              <a:t>VLC Media Player</a:t>
+            </a:r>
           </a:p>
           <a:p>
             <a:pPr marL="457200" lvl="0" indent="-342900" algn="l" rtl="0">
@@ -19084,10 +18784,14 @@
               <a:buChar char="●"/>
             </a:pPr>
             <a:r>
-              <a:rPr lang="en-AU" sz="1800"/>
-              <a:t>KDE Plasma</a:t>
+              <a:rPr lang="en-AU" sz="1800" dirty="0" smtClean="0"/>
+              <a:t>KDE </a:t>
             </a:r>
-            <a:endParaRPr sz="1800"/>
+            <a:r>
+              <a:rPr lang="en-AU" sz="1800" dirty="0"/>
+              <a:t>Plasma</a:t>
+            </a:r>
+            <a:endParaRPr sz="1800" dirty="0"/>
           </a:p>
           <a:p>
             <a:pPr marL="457200" lvl="0" indent="-342900" algn="l" rtl="0">
@@ -19101,10 +18805,10 @@
               <a:buChar char="●"/>
             </a:pPr>
             <a:r>
-              <a:rPr lang="en-AU" sz="1800"/>
+              <a:rPr lang="en-AU" sz="1800" dirty="0"/>
               <a:t>Tesla Model S in-car UI</a:t>
             </a:r>
-            <a:endParaRPr sz="1800"/>
+            <a:endParaRPr sz="1800" dirty="0"/>
           </a:p>
           <a:p>
             <a:pPr marL="457200" lvl="0" indent="-342900" algn="l" rtl="0">
@@ -19118,10 +18822,10 @@
               <a:buChar char="●"/>
             </a:pPr>
             <a:r>
-              <a:rPr lang="en-AU" sz="1800"/>
+              <a:rPr lang="en-AU" sz="1800" dirty="0"/>
               <a:t>Mathematica</a:t>
             </a:r>
-            <a:endParaRPr sz="1800"/>
+            <a:endParaRPr sz="1800" dirty="0"/>
           </a:p>
           <a:p>
             <a:pPr marL="457200" lvl="0" indent="-342900" algn="l" rtl="0">
@@ -19135,10 +18839,33 @@
               <a:buChar char="●"/>
             </a:pPr>
             <a:r>
-              <a:rPr lang="en-AU" sz="1800"/>
+              <a:rPr lang="en-AU" sz="1800" dirty="0" smtClean="0"/>
+              <a:t>Blizzard </a:t>
+            </a:r>
+            <a:r>
+              <a:rPr lang="en-AU" sz="1800" dirty="0"/>
+              <a:t>Entertainment.</a:t>
+            </a:r>
+            <a:endParaRPr sz="1800" dirty="0"/>
+          </a:p>
+          <a:p>
+            <a:pPr lvl="0" indent="-342900">
+              <a:buSzPts val="1800"/>
+            </a:pPr>
+            <a:r>
+              <a:rPr lang="en-AU" sz="1800" dirty="0" smtClean="0"/>
               <a:t>TeamViewer</a:t>
             </a:r>
-            <a:endParaRPr sz="1800"/>
+          </a:p>
+          <a:p>
+            <a:pPr lvl="0" indent="-342900">
+              <a:buSzPts val="1800"/>
+            </a:pPr>
+            <a:r>
+              <a:rPr lang="en-AU" sz="1800" dirty="0" err="1" smtClean="0"/>
+              <a:t>Dreamworks</a:t>
+            </a:r>
+            <a:endParaRPr sz="1800" dirty="0"/>
           </a:p>
           <a:p>
             <a:pPr marL="457200" lvl="0" indent="-342900" algn="l" rtl="0">
@@ -19152,10 +18879,10 @@
               <a:buChar char="●"/>
             </a:pPr>
             <a:r>
-              <a:rPr lang="en-AU" sz="1800"/>
-              <a:t>VLC Media Player</a:t>
+              <a:rPr lang="en-AU" sz="1800" dirty="0" err="1"/>
+              <a:t>Lucasfilm</a:t>
             </a:r>
-            <a:endParaRPr sz="1800"/>
+            <a:endParaRPr sz="1800" dirty="0"/>
           </a:p>
           <a:p>
             <a:pPr marL="457200" lvl="0" indent="-342900" algn="l" rtl="0">
@@ -19169,61 +18896,10 @@
               <a:buChar char="●"/>
             </a:pPr>
             <a:r>
-              <a:rPr lang="en-AU" sz="1800"/>
-              <a:t>Blizzard Entertainment.</a:t>
-            </a:r>
-            <a:endParaRPr sz="1800"/>
-          </a:p>
-          <a:p>
-            <a:pPr marL="457200" lvl="0" indent="-342900" algn="l" rtl="0">
-              <a:spcBef>
-                <a:spcPts val="0"/>
-              </a:spcBef>
-              <a:spcAft>
-                <a:spcPts val="0"/>
-              </a:spcAft>
-              <a:buSzPts val="1800"/>
-              <a:buChar char="●"/>
-            </a:pPr>
-            <a:r>
-              <a:rPr lang="en-AU" sz="1800"/>
-              <a:t>Dreamworks</a:t>
-            </a:r>
-            <a:endParaRPr sz="1800"/>
-          </a:p>
-          <a:p>
-            <a:pPr marL="457200" lvl="0" indent="-342900" algn="l" rtl="0">
-              <a:spcBef>
-                <a:spcPts val="0"/>
-              </a:spcBef>
-              <a:spcAft>
-                <a:spcPts val="0"/>
-              </a:spcAft>
-              <a:buSzPts val="1800"/>
-              <a:buChar char="●"/>
-            </a:pPr>
-            <a:r>
-              <a:rPr lang="en-AU" sz="1800"/>
-              <a:t>Lucasfilm</a:t>
-            </a:r>
-            <a:endParaRPr sz="1800"/>
-          </a:p>
-          <a:p>
-            <a:pPr marL="457200" lvl="0" indent="-342900" algn="l" rtl="0">
-              <a:spcBef>
-                <a:spcPts val="0"/>
-              </a:spcBef>
-              <a:spcAft>
-                <a:spcPts val="0"/>
-              </a:spcAft>
-              <a:buSzPts val="1800"/>
-              <a:buChar char="●"/>
-            </a:pPr>
-            <a:r>
-              <a:rPr lang="en-AU" sz="1800"/>
+              <a:rPr lang="en-AU" sz="1800" dirty="0"/>
               <a:t>Valve Corporation</a:t>
             </a:r>
-            <a:endParaRPr sz="1800"/>
+            <a:endParaRPr sz="1800" dirty="0"/>
           </a:p>
         </p:txBody>
       </p:sp>
